--- a/後期企画書/提出用企画書.pptx
+++ b/後期企画書/提出用企画書.pptx
@@ -213,7 +213,7 @@
           <a:p>
             <a:fld id="{CC8A5DFF-00B2-4367-9D65-9AD51A683E2B}" type="datetimeFigureOut">
               <a:rPr kumimoji="1" lang="ja-JP" altLang="en-US" smtClean="0"/>
-              <a:t>2017/11/6</a:t>
+              <a:t>2017/11/10</a:t>
             </a:fld>
             <a:endParaRPr kumimoji="1" lang="ja-JP" altLang="en-US"/>
           </a:p>
@@ -4261,7 +4261,7 @@
         </p:nvSpPr>
         <p:spPr>
           <a:xfrm>
-            <a:off x="0" y="951126"/>
+            <a:off x="-41467" y="799567"/>
             <a:ext cx="9988934" cy="584775"/>
           </a:xfrm>
           <a:prstGeom prst="rect">
@@ -4347,7 +4347,7 @@
         </p:nvSpPr>
         <p:spPr>
           <a:xfrm>
-            <a:off x="-2453398" y="2267173"/>
+            <a:off x="-2467046" y="1594623"/>
             <a:ext cx="9988934" cy="584775"/>
           </a:xfrm>
           <a:prstGeom prst="rect">
@@ -4433,7 +4433,7 @@
         </p:nvSpPr>
         <p:spPr>
           <a:xfrm>
-            <a:off x="2342060" y="3316092"/>
+            <a:off x="2342060" y="2855689"/>
             <a:ext cx="9988934" cy="584775"/>
           </a:xfrm>
           <a:prstGeom prst="rect">
@@ -4537,6 +4537,112 @@
               <a:rPr kumimoji="1" lang="en-US" altLang="ja-JP" dirty="0"/>
               <a:t>9</a:t>
             </a:r>
+          </a:p>
+        </p:txBody>
+      </p:sp>
+      <p:sp>
+        <p:nvSpPr>
+          <p:cNvPr id="13" name="テキスト ボックス 12">
+            <a:extLst>
+              <a:ext uri="{FF2B5EF4-FFF2-40B4-BE49-F238E27FC236}">
+                <a16:creationId xmlns:a16="http://schemas.microsoft.com/office/drawing/2014/main" id="{1BF3E2D4-5092-4836-B7D7-0CE65F605C2C}"/>
+              </a:ext>
+            </a:extLst>
+          </p:cNvPr>
+          <p:cNvSpPr txBox="1"/>
+          <p:nvPr/>
+        </p:nvSpPr>
+        <p:spPr>
+          <a:xfrm>
+            <a:off x="-1" y="2225398"/>
+            <a:ext cx="4162567" cy="646331"/>
+          </a:xfrm>
+          <a:prstGeom prst="rect">
+            <a:avLst/>
+          </a:prstGeom>
+          <a:noFill/>
+        </p:spPr>
+        <p:txBody>
+          <a:bodyPr wrap="square" rtlCol="0">
+            <a:spAutoFit/>
+          </a:bodyPr>
+          <a:lstStyle/>
+          <a:p>
+            <a:r>
+              <a:rPr kumimoji="1" lang="ja-JP" altLang="en-US" dirty="0">
+                <a:latin typeface="HGS創英角ﾎﾟｯﾌﾟ体" panose="040B0A00000000000000" pitchFamily="50" charset="-128"/>
+                <a:ea typeface="HGS創英角ﾎﾟｯﾌﾟ体" panose="040B0A00000000000000" pitchFamily="50" charset="-128"/>
+              </a:rPr>
+              <a:t>闘牛はお店の中の人や動物を無差別に</a:t>
+            </a:r>
+            <a:endParaRPr kumimoji="1" lang="en-US" altLang="ja-JP" dirty="0">
+              <a:latin typeface="HGS創英角ﾎﾟｯﾌﾟ体" panose="040B0A00000000000000" pitchFamily="50" charset="-128"/>
+              <a:ea typeface="HGS創英角ﾎﾟｯﾌﾟ体" panose="040B0A00000000000000" pitchFamily="50" charset="-128"/>
+            </a:endParaRPr>
+          </a:p>
+          <a:p>
+            <a:r>
+              <a:rPr kumimoji="1" lang="ja-JP" altLang="en-US" dirty="0">
+                <a:latin typeface="HGS創英角ﾎﾟｯﾌﾟ体" panose="040B0A00000000000000" pitchFamily="50" charset="-128"/>
+                <a:ea typeface="HGS創英角ﾎﾟｯﾌﾟ体" panose="040B0A00000000000000" pitchFamily="50" charset="-128"/>
+              </a:rPr>
+              <a:t>轢いて、入口まで運んで行ってしまう</a:t>
+            </a:r>
+          </a:p>
+        </p:txBody>
+      </p:sp>
+      <p:sp>
+        <p:nvSpPr>
+          <p:cNvPr id="14" name="テキスト ボックス 13">
+            <a:extLst>
+              <a:ext uri="{FF2B5EF4-FFF2-40B4-BE49-F238E27FC236}">
+                <a16:creationId xmlns:a16="http://schemas.microsoft.com/office/drawing/2014/main" id="{59D6479A-9C27-47B4-8378-FC9E55536C02}"/>
+              </a:ext>
+            </a:extLst>
+          </p:cNvPr>
+          <p:cNvSpPr txBox="1"/>
+          <p:nvPr/>
+        </p:nvSpPr>
+        <p:spPr>
+          <a:xfrm>
+            <a:off x="5145878" y="3429000"/>
+            <a:ext cx="4162567" cy="646331"/>
+          </a:xfrm>
+          <a:prstGeom prst="rect">
+            <a:avLst/>
+          </a:prstGeom>
+          <a:noFill/>
+        </p:spPr>
+        <p:txBody>
+          <a:bodyPr wrap="square" rtlCol="0">
+            <a:spAutoFit/>
+          </a:bodyPr>
+          <a:lstStyle/>
+          <a:p>
+            <a:r>
+              <a:rPr kumimoji="1" lang="ja-JP" altLang="en-US" dirty="0">
+                <a:latin typeface="HGS創英角ﾎﾟｯﾌﾟ体" panose="040B0A00000000000000" pitchFamily="50" charset="-128"/>
+                <a:ea typeface="HGS創英角ﾎﾟｯﾌﾟ体" panose="040B0A00000000000000" pitchFamily="50" charset="-128"/>
+              </a:rPr>
+              <a:t>ニワトリが出たら高得点のチャンス</a:t>
+            </a:r>
+            <a:endParaRPr kumimoji="1" lang="en-US" altLang="ja-JP" dirty="0">
+              <a:latin typeface="HGS創英角ﾎﾟｯﾌﾟ体" panose="040B0A00000000000000" pitchFamily="50" charset="-128"/>
+              <a:ea typeface="HGS創英角ﾎﾟｯﾌﾟ体" panose="040B0A00000000000000" pitchFamily="50" charset="-128"/>
+            </a:endParaRPr>
+          </a:p>
+          <a:p>
+            <a:r>
+              <a:rPr kumimoji="1" lang="ja-JP" altLang="en-US" dirty="0">
+                <a:latin typeface="HGS創英角ﾎﾟｯﾌﾟ体" panose="040B0A00000000000000" pitchFamily="50" charset="-128"/>
+                <a:ea typeface="HGS創英角ﾎﾟｯﾌﾟ体" panose="040B0A00000000000000" pitchFamily="50" charset="-128"/>
+              </a:rPr>
+              <a:t>たくさん乗せて、高得点を取ろう</a:t>
+            </a:r>
+            <a:endParaRPr kumimoji="1" lang="en-US" altLang="ja-JP" dirty="0">
+              <a:latin typeface="HGS創英角ﾎﾟｯﾌﾟ体" panose="040B0A00000000000000" pitchFamily="50" charset="-128"/>
+              <a:ea typeface="HGS創英角ﾎﾟｯﾌﾟ体" panose="040B0A00000000000000" pitchFamily="50" charset="-128"/>
+            </a:endParaRPr>
           </a:p>
         </p:txBody>
       </p:sp>
@@ -7511,8 +7617,8 @@
         </p:blipFill>
         <p:spPr>
           <a:xfrm rot="21376660" flipH="1">
-            <a:off x="2167842" y="4700345"/>
-            <a:ext cx="1885457" cy="1347527"/>
+            <a:off x="2122694" y="4635746"/>
+            <a:ext cx="1714085" cy="1161931"/>
           </a:xfrm>
           <a:prstGeom prst="rect">
             <a:avLst/>
@@ -7547,8 +7653,8 @@
         </p:blipFill>
         <p:spPr>
           <a:xfrm rot="19797908" flipH="1">
-            <a:off x="1690910" y="3809569"/>
-            <a:ext cx="2680506" cy="2524823"/>
+            <a:off x="1834567" y="3860621"/>
+            <a:ext cx="2311318" cy="2295338"/>
           </a:xfrm>
           <a:prstGeom prst="rect">
             <a:avLst/>
@@ -7583,8 +7689,8 @@
         </p:blipFill>
         <p:spPr>
           <a:xfrm rot="1366220">
-            <a:off x="2125186" y="3741527"/>
-            <a:ext cx="2129329" cy="1344620"/>
+            <a:off x="2272250" y="3680041"/>
+            <a:ext cx="1935791" cy="1159424"/>
           </a:xfrm>
           <a:prstGeom prst="rect">
             <a:avLst/>
@@ -7619,7 +7725,7 @@
         </p:blipFill>
         <p:spPr>
           <a:xfrm flipH="1">
-            <a:off x="1361500" y="4529234"/>
+            <a:off x="1170209" y="4305754"/>
             <a:ext cx="2910505" cy="2367454"/>
           </a:xfrm>
           <a:prstGeom prst="rect">
@@ -7765,8 +7871,8 @@
         </p:blipFill>
         <p:spPr>
           <a:xfrm>
-            <a:off x="-456754" y="2673112"/>
-            <a:ext cx="2858945" cy="5203113"/>
+            <a:off x="-617475" y="2362315"/>
+            <a:ext cx="3217265" cy="5203113"/>
           </a:xfrm>
           <a:prstGeom prst="rect">
             <a:avLst/>
@@ -7968,164 +8074,6 @@
           </a:p>
         </p:txBody>
       </p:sp>
-      <p:cxnSp>
-        <p:nvCxnSpPr>
-          <p:cNvPr id="28" name="直線矢印コネクタ 27">
-            <a:extLst>
-              <a:ext uri="{FF2B5EF4-FFF2-40B4-BE49-F238E27FC236}">
-                <a16:creationId xmlns:a16="http://schemas.microsoft.com/office/drawing/2014/main" id="{8BE19D9A-EDF7-4A93-B492-B60425A53448}"/>
-              </a:ext>
-            </a:extLst>
-          </p:cNvPr>
-          <p:cNvCxnSpPr>
-            <a:cxnSpLocks/>
-          </p:cNvCxnSpPr>
-          <p:nvPr/>
-        </p:nvCxnSpPr>
-        <p:spPr>
-          <a:xfrm flipH="1" flipV="1">
-            <a:off x="3989948" y="4307747"/>
-            <a:ext cx="620593" cy="19186"/>
-          </a:xfrm>
-          <a:prstGeom prst="straightConnector1">
-            <a:avLst/>
-          </a:prstGeom>
-          <a:ln w="92075">
-            <a:tailEnd type="triangle"/>
-          </a:ln>
-        </p:spPr>
-        <p:style>
-          <a:lnRef idx="1">
-            <a:schemeClr val="accent1"/>
-          </a:lnRef>
-          <a:fillRef idx="0">
-            <a:schemeClr val="accent1"/>
-          </a:fillRef>
-          <a:effectRef idx="0">
-            <a:schemeClr val="accent1"/>
-          </a:effectRef>
-          <a:fontRef idx="minor">
-            <a:schemeClr val="tx1"/>
-          </a:fontRef>
-        </p:style>
-      </p:cxnSp>
-      <p:sp>
-        <p:nvSpPr>
-          <p:cNvPr id="29" name="テキスト ボックス 28">
-            <a:extLst>
-              <a:ext uri="{FF2B5EF4-FFF2-40B4-BE49-F238E27FC236}">
-                <a16:creationId xmlns:a16="http://schemas.microsoft.com/office/drawing/2014/main" id="{1EB7E310-0174-4B6F-978D-F60B4D413FBC}"/>
-              </a:ext>
-            </a:extLst>
-          </p:cNvPr>
-          <p:cNvSpPr txBox="1"/>
-          <p:nvPr/>
-        </p:nvSpPr>
-        <p:spPr>
-          <a:xfrm>
-            <a:off x="4487393" y="3998167"/>
-            <a:ext cx="1132752" cy="707886"/>
-          </a:xfrm>
-          <a:prstGeom prst="rect">
-            <a:avLst/>
-          </a:prstGeom>
-          <a:noFill/>
-        </p:spPr>
-        <p:txBody>
-          <a:bodyPr wrap="square" rtlCol="0">
-            <a:spAutoFit/>
-          </a:bodyPr>
-          <a:lstStyle/>
-          <a:p>
-            <a:r>
-              <a:rPr kumimoji="1" lang="ja-JP" altLang="en-US" sz="2000" b="1" dirty="0">
-                <a:latin typeface="HG創英角ﾎﾟｯﾌﾟ体" panose="040B0A09000000000000" pitchFamily="49" charset="-128"/>
-                <a:ea typeface="HG創英角ﾎﾟｯﾌﾟ体" panose="040B0A09000000000000" pitchFamily="49" charset="-128"/>
-              </a:rPr>
-              <a:t>特売品（豚）</a:t>
-            </a:r>
-          </a:p>
-        </p:txBody>
-      </p:sp>
-      <p:cxnSp>
-        <p:nvCxnSpPr>
-          <p:cNvPr id="30" name="直線矢印コネクタ 29">
-            <a:extLst>
-              <a:ext uri="{FF2B5EF4-FFF2-40B4-BE49-F238E27FC236}">
-                <a16:creationId xmlns:a16="http://schemas.microsoft.com/office/drawing/2014/main" id="{716EFB1F-6551-45B9-85D1-C3B42C37C8ED}"/>
-              </a:ext>
-            </a:extLst>
-          </p:cNvPr>
-          <p:cNvCxnSpPr>
-            <a:cxnSpLocks/>
-          </p:cNvCxnSpPr>
-          <p:nvPr/>
-        </p:nvCxnSpPr>
-        <p:spPr>
-          <a:xfrm flipH="1" flipV="1">
-            <a:off x="3926771" y="5027057"/>
-            <a:ext cx="620593" cy="19186"/>
-          </a:xfrm>
-          <a:prstGeom prst="straightConnector1">
-            <a:avLst/>
-          </a:prstGeom>
-          <a:ln w="92075">
-            <a:tailEnd type="triangle"/>
-          </a:ln>
-        </p:spPr>
-        <p:style>
-          <a:lnRef idx="1">
-            <a:schemeClr val="accent1"/>
-          </a:lnRef>
-          <a:fillRef idx="0">
-            <a:schemeClr val="accent1"/>
-          </a:fillRef>
-          <a:effectRef idx="0">
-            <a:schemeClr val="accent1"/>
-          </a:effectRef>
-          <a:fontRef idx="minor">
-            <a:schemeClr val="tx1"/>
-          </a:fontRef>
-        </p:style>
-      </p:cxnSp>
-      <p:sp>
-        <p:nvSpPr>
-          <p:cNvPr id="31" name="テキスト ボックス 30">
-            <a:extLst>
-              <a:ext uri="{FF2B5EF4-FFF2-40B4-BE49-F238E27FC236}">
-                <a16:creationId xmlns:a16="http://schemas.microsoft.com/office/drawing/2014/main" id="{507D26D0-851A-43B3-B5B6-D970A300B7D6}"/>
-              </a:ext>
-            </a:extLst>
-          </p:cNvPr>
-          <p:cNvSpPr txBox="1"/>
-          <p:nvPr/>
-        </p:nvSpPr>
-        <p:spPr>
-          <a:xfrm>
-            <a:off x="4451533" y="4877734"/>
-            <a:ext cx="1132752" cy="369332"/>
-          </a:xfrm>
-          <a:prstGeom prst="rect">
-            <a:avLst/>
-          </a:prstGeom>
-          <a:noFill/>
-        </p:spPr>
-        <p:txBody>
-          <a:bodyPr wrap="square" rtlCol="0">
-            <a:spAutoFit/>
-          </a:bodyPr>
-          <a:lstStyle/>
-          <a:p>
-            <a:r>
-              <a:rPr kumimoji="1" lang="ja-JP" altLang="en-US" b="1" dirty="0">
-                <a:latin typeface="HG創英角ﾎﾟｯﾌﾟ体" panose="040B0A09000000000000" pitchFamily="49" charset="-128"/>
-                <a:ea typeface="HG創英角ﾎﾟｯﾌﾟ体" panose="040B0A09000000000000" pitchFamily="49" charset="-128"/>
-              </a:rPr>
-              <a:t>お客さん</a:t>
-            </a:r>
-          </a:p>
-        </p:txBody>
-      </p:sp>
       <p:pic>
         <p:nvPicPr>
           <p:cNvPr id="38" name="図 37">
@@ -8399,7 +8347,7 @@
         </p:nvSpPr>
         <p:spPr>
           <a:xfrm>
-            <a:off x="3822318" y="4808940"/>
+            <a:off x="3941286" y="5056033"/>
             <a:ext cx="9969413" cy="646331"/>
           </a:xfrm>
           <a:prstGeom prst="rect">
@@ -8553,6 +8501,84 @@
               <a:rPr kumimoji="1" lang="en-US" altLang="ja-JP" dirty="0"/>
               <a:t>2</a:t>
             </a:r>
+          </a:p>
+        </p:txBody>
+      </p:sp>
+      <p:pic>
+        <p:nvPicPr>
+          <p:cNvPr id="23" name="図 22">
+            <a:extLst>
+              <a:ext uri="{FF2B5EF4-FFF2-40B4-BE49-F238E27FC236}">
+                <a16:creationId xmlns:a16="http://schemas.microsoft.com/office/drawing/2014/main" id="{FFF723AC-FF66-4FE6-895C-A6CF53B62AAD}"/>
+              </a:ext>
+            </a:extLst>
+          </p:cNvPr>
+          <p:cNvPicPr>
+            <a:picLocks noChangeAspect="1"/>
+          </p:cNvPicPr>
+          <p:nvPr/>
+        </p:nvPicPr>
+        <p:blipFill>
+          <a:blip r:embed="rId5">
+            <a:extLst>
+              <a:ext uri="{28A0092B-C50C-407E-A947-70E740481C1C}">
+                <a14:useLocalDpi xmlns:a14="http://schemas.microsoft.com/office/drawing/2010/main" val="0"/>
+              </a:ext>
+            </a:extLst>
+          </a:blip>
+          <a:stretch>
+            <a:fillRect/>
+          </a:stretch>
+        </p:blipFill>
+        <p:spPr>
+          <a:xfrm rot="12242145">
+            <a:off x="2583255" y="2896491"/>
+            <a:ext cx="1935791" cy="1159424"/>
+          </a:xfrm>
+          <a:prstGeom prst="rect">
+            <a:avLst/>
+          </a:prstGeom>
+        </p:spPr>
+      </p:pic>
+      <p:sp>
+        <p:nvSpPr>
+          <p:cNvPr id="26" name="テキスト ボックス 25">
+            <a:extLst>
+              <a:ext uri="{FF2B5EF4-FFF2-40B4-BE49-F238E27FC236}">
+                <a16:creationId xmlns:a16="http://schemas.microsoft.com/office/drawing/2014/main" id="{CD7D8973-F479-49EC-921B-2ACDD83FFF35}"/>
+              </a:ext>
+            </a:extLst>
+          </p:cNvPr>
+          <p:cNvSpPr txBox="1"/>
+          <p:nvPr/>
+        </p:nvSpPr>
+        <p:spPr>
+          <a:xfrm>
+            <a:off x="808182" y="6433978"/>
+            <a:ext cx="4162567" cy="369332"/>
+          </a:xfrm>
+          <a:prstGeom prst="rect">
+            <a:avLst/>
+          </a:prstGeom>
+          <a:noFill/>
+        </p:spPr>
+        <p:txBody>
+          <a:bodyPr wrap="square" rtlCol="0">
+            <a:spAutoFit/>
+          </a:bodyPr>
+          <a:lstStyle/>
+          <a:p>
+            <a:r>
+              <a:rPr kumimoji="1" lang="ja-JP" altLang="en-US" dirty="0">
+                <a:latin typeface="HGS創英角ﾎﾟｯﾌﾟ体" panose="040B0A00000000000000" pitchFamily="50" charset="-128"/>
+                <a:ea typeface="HGS創英角ﾎﾟｯﾌﾟ体" panose="040B0A00000000000000" pitchFamily="50" charset="-128"/>
+              </a:rPr>
+              <a:t>自分＋お客さんで特売品二つゲット！</a:t>
+            </a:r>
+            <a:endParaRPr kumimoji="1" lang="en-US" altLang="ja-JP" dirty="0">
+              <a:latin typeface="HGS創英角ﾎﾟｯﾌﾟ体" panose="040B0A00000000000000" pitchFamily="50" charset="-128"/>
+              <a:ea typeface="HGS創英角ﾎﾟｯﾌﾟ体" panose="040B0A00000000000000" pitchFamily="50" charset="-128"/>
+            </a:endParaRPr>
           </a:p>
         </p:txBody>
       </p:sp>
@@ -9162,7 +9188,7 @@
         </p:blipFill>
         <p:spPr>
           <a:xfrm rot="21376660" flipH="1">
-            <a:off x="7846937" y="1218325"/>
+            <a:off x="7854976" y="2112054"/>
             <a:ext cx="1153808" cy="824621"/>
           </a:xfrm>
           <a:prstGeom prst="rect">
@@ -9198,7 +9224,7 @@
         </p:blipFill>
         <p:spPr>
           <a:xfrm rot="21376660" flipH="1">
-            <a:off x="2110862" y="1508307"/>
+            <a:off x="2184332" y="2646877"/>
             <a:ext cx="1445440" cy="1033049"/>
           </a:xfrm>
           <a:prstGeom prst="rect">
@@ -9234,7 +9260,7 @@
         </p:blipFill>
         <p:spPr>
           <a:xfrm flipH="1">
-            <a:off x="7405902" y="1065909"/>
+            <a:off x="7413941" y="1959638"/>
             <a:ext cx="1587884" cy="1469362"/>
           </a:xfrm>
           <a:prstGeom prst="rect">
@@ -9270,7 +9296,7 @@
         </p:blipFill>
         <p:spPr>
           <a:xfrm flipH="1">
-            <a:off x="1549218" y="1323565"/>
+            <a:off x="1622688" y="2462135"/>
             <a:ext cx="2030620" cy="1879051"/>
           </a:xfrm>
           <a:prstGeom prst="rect">
@@ -9416,7 +9442,7 @@
         </p:blipFill>
         <p:spPr>
           <a:xfrm>
-            <a:off x="-380990" y="443285"/>
+            <a:off x="-307520" y="1477465"/>
             <a:ext cx="2810488" cy="3686629"/>
           </a:xfrm>
           <a:prstGeom prst="rect">
@@ -9440,7 +9466,7 @@
         </p:nvCxnSpPr>
         <p:spPr>
           <a:xfrm>
-            <a:off x="1592889" y="1183521"/>
+            <a:off x="1666359" y="2322091"/>
             <a:ext cx="2549601" cy="1002801"/>
           </a:xfrm>
           <a:prstGeom prst="line">
@@ -9486,7 +9512,7 @@
         </p:nvCxnSpPr>
         <p:spPr>
           <a:xfrm flipV="1">
-            <a:off x="1803801" y="2443775"/>
+            <a:off x="1877271" y="3582345"/>
             <a:ext cx="2338689" cy="498551"/>
           </a:xfrm>
           <a:prstGeom prst="line">
@@ -9532,7 +9558,7 @@
         </p:nvCxnSpPr>
         <p:spPr>
           <a:xfrm>
-            <a:off x="1803801" y="2295065"/>
+            <a:off x="1877271" y="3433635"/>
             <a:ext cx="2338689" cy="0"/>
           </a:xfrm>
           <a:prstGeom prst="line">
@@ -9590,7 +9616,7 @@
         </p:blipFill>
         <p:spPr>
           <a:xfrm flipH="1">
-            <a:off x="7405902" y="2160848"/>
+            <a:off x="7413941" y="3054577"/>
             <a:ext cx="1587884" cy="1420100"/>
           </a:xfrm>
           <a:prstGeom prst="rect">
@@ -9626,7 +9652,7 @@
         </p:blipFill>
         <p:spPr>
           <a:xfrm>
-            <a:off x="5545764" y="436669"/>
+            <a:off x="5404866" y="1355092"/>
             <a:ext cx="2729859" cy="3616618"/>
           </a:xfrm>
           <a:prstGeom prst="rect">
@@ -9634,186 +9660,6 @@
           </a:prstGeom>
         </p:spPr>
       </p:pic>
-      <p:pic>
-        <p:nvPicPr>
-          <p:cNvPr id="49" name="図 48">
-            <a:extLst>
-              <a:ext uri="{FF2B5EF4-FFF2-40B4-BE49-F238E27FC236}">
-                <a16:creationId xmlns:a16="http://schemas.microsoft.com/office/drawing/2014/main" id="{24BA6C1E-3D74-4062-8878-6F444242A96A}"/>
-              </a:ext>
-            </a:extLst>
-          </p:cNvPr>
-          <p:cNvPicPr>
-            <a:picLocks noChangeAspect="1"/>
-          </p:cNvPicPr>
-          <p:nvPr/>
-        </p:nvPicPr>
-        <p:blipFill>
-          <a:blip r:embed="rId4">
-            <a:extLst>
-              <a:ext uri="{28A0092B-C50C-407E-A947-70E740481C1C}">
-                <a14:useLocalDpi xmlns:a14="http://schemas.microsoft.com/office/drawing/2010/main" val="0"/>
-              </a:ext>
-            </a:extLst>
-          </a:blip>
-          <a:stretch>
-            <a:fillRect/>
-          </a:stretch>
-        </p:blipFill>
-        <p:spPr>
-          <a:xfrm>
-            <a:off x="-105547" y="3800564"/>
-            <a:ext cx="2925497" cy="3363757"/>
-          </a:xfrm>
-          <a:prstGeom prst="rect">
-            <a:avLst/>
-          </a:prstGeom>
-        </p:spPr>
-      </p:pic>
-      <p:pic>
-        <p:nvPicPr>
-          <p:cNvPr id="50" name="図 49">
-            <a:extLst>
-              <a:ext uri="{FF2B5EF4-FFF2-40B4-BE49-F238E27FC236}">
-                <a16:creationId xmlns:a16="http://schemas.microsoft.com/office/drawing/2014/main" id="{C19C3283-2143-4782-B70A-3EE65FC2584D}"/>
-              </a:ext>
-            </a:extLst>
-          </p:cNvPr>
-          <p:cNvPicPr>
-            <a:picLocks noChangeAspect="1"/>
-          </p:cNvPicPr>
-          <p:nvPr/>
-        </p:nvPicPr>
-        <p:blipFill>
-          <a:blip r:embed="rId3">
-            <a:extLst>
-              <a:ext uri="{28A0092B-C50C-407E-A947-70E740481C1C}">
-                <a14:useLocalDpi xmlns:a14="http://schemas.microsoft.com/office/drawing/2010/main" val="0"/>
-              </a:ext>
-            </a:extLst>
-          </a:blip>
-          <a:stretch>
-            <a:fillRect/>
-          </a:stretch>
-        </p:blipFill>
-        <p:spPr>
-          <a:xfrm flipH="1">
-            <a:off x="2149254" y="4895457"/>
-            <a:ext cx="1805452" cy="1670689"/>
-          </a:xfrm>
-          <a:prstGeom prst="rect">
-            <a:avLst/>
-          </a:prstGeom>
-        </p:spPr>
-      </p:pic>
-      <p:pic>
-        <p:nvPicPr>
-          <p:cNvPr id="51" name="図 50">
-            <a:extLst>
-              <a:ext uri="{FF2B5EF4-FFF2-40B4-BE49-F238E27FC236}">
-                <a16:creationId xmlns:a16="http://schemas.microsoft.com/office/drawing/2014/main" id="{93B392EF-0BFA-4E6A-9266-004D04CD42C5}"/>
-              </a:ext>
-            </a:extLst>
-          </p:cNvPr>
-          <p:cNvPicPr>
-            <a:picLocks noChangeAspect="1"/>
-          </p:cNvPicPr>
-          <p:nvPr/>
-        </p:nvPicPr>
-        <p:blipFill>
-          <a:blip r:embed="rId3">
-            <a:extLst>
-              <a:ext uri="{28A0092B-C50C-407E-A947-70E740481C1C}">
-                <a14:useLocalDpi xmlns:a14="http://schemas.microsoft.com/office/drawing/2010/main" val="0"/>
-              </a:ext>
-            </a:extLst>
-          </a:blip>
-          <a:stretch>
-            <a:fillRect/>
-          </a:stretch>
-        </p:blipFill>
-        <p:spPr>
-          <a:xfrm flipH="1">
-            <a:off x="2600617" y="4926054"/>
-            <a:ext cx="1805452" cy="1670689"/>
-          </a:xfrm>
-          <a:prstGeom prst="rect">
-            <a:avLst/>
-          </a:prstGeom>
-        </p:spPr>
-      </p:pic>
-      <p:pic>
-        <p:nvPicPr>
-          <p:cNvPr id="52" name="図 51">
-            <a:extLst>
-              <a:ext uri="{FF2B5EF4-FFF2-40B4-BE49-F238E27FC236}">
-                <a16:creationId xmlns:a16="http://schemas.microsoft.com/office/drawing/2014/main" id="{AAA25DCD-3D78-447F-962B-BC0716D763DF}"/>
-              </a:ext>
-            </a:extLst>
-          </p:cNvPr>
-          <p:cNvPicPr>
-            <a:picLocks noChangeAspect="1"/>
-          </p:cNvPicPr>
-          <p:nvPr/>
-        </p:nvPicPr>
-        <p:blipFill>
-          <a:blip r:embed="rId3">
-            <a:extLst>
-              <a:ext uri="{28A0092B-C50C-407E-A947-70E740481C1C}">
-                <a14:useLocalDpi xmlns:a14="http://schemas.microsoft.com/office/drawing/2010/main" val="0"/>
-              </a:ext>
-            </a:extLst>
-          </a:blip>
-          <a:stretch>
-            <a:fillRect/>
-          </a:stretch>
-        </p:blipFill>
-        <p:spPr>
-          <a:xfrm flipH="1">
-            <a:off x="3051980" y="4910755"/>
-            <a:ext cx="1805452" cy="1670689"/>
-          </a:xfrm>
-          <a:prstGeom prst="rect">
-            <a:avLst/>
-          </a:prstGeom>
-        </p:spPr>
-      </p:pic>
-      <p:pic>
-        <p:nvPicPr>
-          <p:cNvPr id="53" name="図 52">
-            <a:extLst>
-              <a:ext uri="{FF2B5EF4-FFF2-40B4-BE49-F238E27FC236}">
-                <a16:creationId xmlns:a16="http://schemas.microsoft.com/office/drawing/2014/main" id="{CE57B750-448A-47D7-B357-123BE7ADE48B}"/>
-              </a:ext>
-            </a:extLst>
-          </p:cNvPr>
-          <p:cNvPicPr>
-            <a:picLocks noChangeAspect="1"/>
-          </p:cNvPicPr>
-          <p:nvPr/>
-        </p:nvPicPr>
-        <p:blipFill>
-          <a:blip r:embed="rId3">
-            <a:extLst>
-              <a:ext uri="{28A0092B-C50C-407E-A947-70E740481C1C}">
-                <a14:useLocalDpi xmlns:a14="http://schemas.microsoft.com/office/drawing/2010/main" val="0"/>
-              </a:ext>
-            </a:extLst>
-          </a:blip>
-          <a:stretch>
-            <a:fillRect/>
-          </a:stretch>
-        </p:blipFill>
-        <p:spPr>
-          <a:xfrm flipH="1">
-            <a:off x="3592094" y="4918404"/>
-            <a:ext cx="1805452" cy="1670689"/>
-          </a:xfrm>
-          <a:prstGeom prst="rect">
-            <a:avLst/>
-          </a:prstGeom>
-        </p:spPr>
-      </p:pic>
       <p:sp>
         <p:nvSpPr>
           <p:cNvPr id="55" name="テキスト ボックス 54">
@@ -9828,7 +9674,7 @@
         </p:nvSpPr>
         <p:spPr>
           <a:xfrm>
-            <a:off x="1024254" y="3157191"/>
+            <a:off x="234383" y="836131"/>
             <a:ext cx="3457491" cy="1200329"/>
           </a:xfrm>
           <a:prstGeom prst="rect">
@@ -9914,8 +9760,8 @@
         </p:nvSpPr>
         <p:spPr>
           <a:xfrm>
-            <a:off x="5397546" y="3406956"/>
-            <a:ext cx="4508454" cy="646331"/>
+            <a:off x="4531331" y="853953"/>
+            <a:ext cx="5505449" cy="1200329"/>
           </a:xfrm>
           <a:prstGeom prst="rect">
             <a:avLst/>
@@ -9959,7 +9805,7 @@
                 <a:latin typeface="HG創英角ﾎﾟｯﾌﾟ体" panose="040B0A09000000000000" pitchFamily="49" charset="-128"/>
                 <a:ea typeface="HG創英角ﾎﾟｯﾌﾟ体" panose="040B0A09000000000000" pitchFamily="49" charset="-128"/>
               </a:rPr>
-              <a:t>二台で一気に横取り</a:t>
+              <a:t>二台で幅広く乗せられる</a:t>
             </a:r>
             <a:endParaRPr lang="en-US" altLang="ja-JP" sz="3600" dirty="0">
               <a:ln>
@@ -9984,42 +9830,6 @@
               <a:ea typeface="HG創英角ﾎﾟｯﾌﾟ体" panose="040B0A09000000000000" pitchFamily="49" charset="-128"/>
             </a:endParaRPr>
           </a:p>
-        </p:txBody>
-      </p:sp>
-      <p:sp>
-        <p:nvSpPr>
-          <p:cNvPr id="57" name="テキスト ボックス 56">
-            <a:extLst>
-              <a:ext uri="{FF2B5EF4-FFF2-40B4-BE49-F238E27FC236}">
-                <a16:creationId xmlns:a16="http://schemas.microsoft.com/office/drawing/2014/main" id="{5CF19DAB-9327-4068-8E6D-8DC136DB6DC0}"/>
-              </a:ext>
-            </a:extLst>
-          </p:cNvPr>
-          <p:cNvSpPr txBox="1"/>
-          <p:nvPr/>
-        </p:nvSpPr>
-        <p:spPr>
-          <a:xfrm>
-            <a:off x="5372273" y="5212393"/>
-            <a:ext cx="4508454" cy="1200329"/>
-          </a:xfrm>
-          <a:prstGeom prst="rect">
-            <a:avLst/>
-          </a:prstGeom>
-          <a:noFill/>
-          <a:effectLst>
-            <a:glow rad="177800">
-              <a:schemeClr val="tx1">
-                <a:alpha val="60000"/>
-              </a:schemeClr>
-            </a:glow>
-          </a:effectLst>
-        </p:spPr>
-        <p:txBody>
-          <a:bodyPr wrap="square" rtlCol="0">
-            <a:spAutoFit/>
-          </a:bodyPr>
-          <a:lstStyle/>
           <a:p>
             <a:pPr algn="ctr"/>
             <a:r>
@@ -10045,7 +9855,7 @@
                 <a:latin typeface="HG創英角ﾎﾟｯﾌﾟ体" panose="040B0A09000000000000" pitchFamily="49" charset="-128"/>
                 <a:ea typeface="HG創英角ﾎﾟｯﾌﾟ体" panose="040B0A09000000000000" pitchFamily="49" charset="-128"/>
               </a:rPr>
-              <a:t>重ねたカートで</a:t>
+              <a:t>二台持ち</a:t>
             </a:r>
             <a:endParaRPr lang="en-US" altLang="ja-JP" sz="3600" dirty="0">
               <a:ln>
@@ -10070,94 +9880,8 @@
               <a:ea typeface="HG創英角ﾎﾟｯﾌﾟ体" panose="040B0A09000000000000" pitchFamily="49" charset="-128"/>
             </a:endParaRPr>
           </a:p>
-          <a:p>
-            <a:pPr algn="ctr"/>
-            <a:r>
-              <a:rPr lang="ja-JP" altLang="en-US" sz="3600" dirty="0">
-                <a:ln>
-                  <a:solidFill>
-                    <a:schemeClr val="bg2">
-                      <a:lumMod val="10000"/>
-                    </a:schemeClr>
-                  </a:solidFill>
-                </a:ln>
-                <a:solidFill>
-                  <a:srgbClr val="FFC000"/>
-                </a:solidFill>
-                <a:effectLst>
-                  <a:glow rad="228600">
-                    <a:schemeClr val="accent3">
-                      <a:satMod val="175000"/>
-                      <a:alpha val="40000"/>
-                    </a:schemeClr>
-                  </a:glow>
-                </a:effectLst>
-                <a:latin typeface="HG創英角ﾎﾟｯﾌﾟ体" panose="040B0A09000000000000" pitchFamily="49" charset="-128"/>
-                <a:ea typeface="HG創英角ﾎﾟｯﾌﾟ体" panose="040B0A09000000000000" pitchFamily="49" charset="-128"/>
-              </a:rPr>
-              <a:t>長いリーチ！</a:t>
-            </a:r>
-            <a:endParaRPr lang="en-US" altLang="ja-JP" sz="3600" dirty="0">
-              <a:ln>
-                <a:solidFill>
-                  <a:schemeClr val="bg2">
-                    <a:lumMod val="10000"/>
-                  </a:schemeClr>
-                </a:solidFill>
-              </a:ln>
-              <a:solidFill>
-                <a:srgbClr val="FFC000"/>
-              </a:solidFill>
-              <a:effectLst>
-                <a:glow rad="228600">
-                  <a:schemeClr val="accent3">
-                    <a:satMod val="175000"/>
-                    <a:alpha val="40000"/>
-                  </a:schemeClr>
-                </a:glow>
-              </a:effectLst>
-              <a:latin typeface="HG創英角ﾎﾟｯﾌﾟ体" panose="040B0A09000000000000" pitchFamily="49" charset="-128"/>
-              <a:ea typeface="HG創英角ﾎﾟｯﾌﾟ体" panose="040B0A09000000000000" pitchFamily="49" charset="-128"/>
-            </a:endParaRPr>
-          </a:p>
-        </p:txBody>
-      </p:sp>
-      <p:pic>
-        <p:nvPicPr>
-          <p:cNvPr id="66" name="図 65">
-            <a:extLst>
-              <a:ext uri="{FF2B5EF4-FFF2-40B4-BE49-F238E27FC236}">
-                <a16:creationId xmlns:a16="http://schemas.microsoft.com/office/drawing/2014/main" id="{17633720-4859-487A-A507-2A2F51AA8AD1}"/>
-              </a:ext>
-            </a:extLst>
-          </p:cNvPr>
-          <p:cNvPicPr>
-            <a:picLocks noChangeAspect="1"/>
-          </p:cNvPicPr>
-          <p:nvPr/>
-        </p:nvPicPr>
-        <p:blipFill>
-          <a:blip r:embed="rId2">
-            <a:extLst>
-              <a:ext uri="{28A0092B-C50C-407E-A947-70E740481C1C}">
-                <a14:useLocalDpi xmlns:a14="http://schemas.microsoft.com/office/drawing/2010/main" val="0"/>
-              </a:ext>
-            </a:extLst>
-          </a:blip>
-          <a:stretch>
-            <a:fillRect/>
-          </a:stretch>
-        </p:blipFill>
-        <p:spPr>
-          <a:xfrm rot="21376660" flipH="1">
-            <a:off x="4046581" y="4466935"/>
-            <a:ext cx="1360537" cy="972369"/>
-          </a:xfrm>
-          <a:prstGeom prst="rect">
-            <a:avLst/>
-          </a:prstGeom>
-        </p:spPr>
-      </p:pic>
+        </p:txBody>
+      </p:sp>
       <p:sp>
         <p:nvSpPr>
           <p:cNvPr id="23" name="テキスト ボックス 22">
@@ -10189,6 +9913,95 @@
             <a:r>
               <a:rPr kumimoji="1" lang="en-US" altLang="ja-JP" dirty="0"/>
               <a:t>4</a:t>
+            </a:r>
+          </a:p>
+        </p:txBody>
+      </p:sp>
+      <p:sp>
+        <p:nvSpPr>
+          <p:cNvPr id="26" name="テキスト ボックス 25">
+            <a:extLst>
+              <a:ext uri="{FF2B5EF4-FFF2-40B4-BE49-F238E27FC236}">
+                <a16:creationId xmlns:a16="http://schemas.microsoft.com/office/drawing/2014/main" id="{59F071B6-F13E-4147-B290-71D73821FB11}"/>
+              </a:ext>
+            </a:extLst>
+          </p:cNvPr>
+          <p:cNvSpPr txBox="1"/>
+          <p:nvPr/>
+        </p:nvSpPr>
+        <p:spPr>
+          <a:xfrm>
+            <a:off x="146102" y="4979839"/>
+            <a:ext cx="4012442" cy="646331"/>
+          </a:xfrm>
+          <a:prstGeom prst="rect">
+            <a:avLst/>
+          </a:prstGeom>
+          <a:noFill/>
+        </p:spPr>
+        <p:txBody>
+          <a:bodyPr wrap="square" rtlCol="0">
+            <a:spAutoFit/>
+          </a:bodyPr>
+          <a:lstStyle/>
+          <a:p>
+            <a:r>
+              <a:rPr kumimoji="1" lang="ja-JP" altLang="en-US" dirty="0">
+                <a:latin typeface="HGS創英角ﾎﾟｯﾌﾟ体" panose="040B0A00000000000000" pitchFamily="50" charset="-128"/>
+                <a:ea typeface="HGS創英角ﾎﾟｯﾌﾟ体" panose="040B0A00000000000000" pitchFamily="50" charset="-128"/>
+              </a:rPr>
+              <a:t>カートで滑走し、ドリフトのように曲がり、店内を走り回れ！</a:t>
+            </a:r>
+          </a:p>
+        </p:txBody>
+      </p:sp>
+      <p:sp>
+        <p:nvSpPr>
+          <p:cNvPr id="27" name="テキスト ボックス 26">
+            <a:extLst>
+              <a:ext uri="{FF2B5EF4-FFF2-40B4-BE49-F238E27FC236}">
+                <a16:creationId xmlns:a16="http://schemas.microsoft.com/office/drawing/2014/main" id="{627B18F9-2D53-4380-A974-2FF1410FA0E7}"/>
+              </a:ext>
+            </a:extLst>
+          </p:cNvPr>
+          <p:cNvSpPr txBox="1"/>
+          <p:nvPr/>
+        </p:nvSpPr>
+        <p:spPr>
+          <a:xfrm>
+            <a:off x="5404866" y="4938560"/>
+            <a:ext cx="4551628" cy="646331"/>
+          </a:xfrm>
+          <a:prstGeom prst="rect">
+            <a:avLst/>
+          </a:prstGeom>
+          <a:noFill/>
+        </p:spPr>
+        <p:txBody>
+          <a:bodyPr wrap="square" rtlCol="0">
+            <a:spAutoFit/>
+          </a:bodyPr>
+          <a:lstStyle/>
+          <a:p>
+            <a:r>
+              <a:rPr kumimoji="1" lang="ja-JP" altLang="en-US" dirty="0">
+                <a:latin typeface="HGS創英角ﾎﾟｯﾌﾟ体" panose="040B0A00000000000000" pitchFamily="50" charset="-128"/>
+                <a:ea typeface="HGS創英角ﾎﾟｯﾌﾟ体" panose="040B0A00000000000000" pitchFamily="50" charset="-128"/>
+              </a:rPr>
+              <a:t>二つのカートで一気に乗せられる！</a:t>
+            </a:r>
+            <a:endParaRPr kumimoji="1" lang="en-US" altLang="ja-JP" dirty="0">
+              <a:latin typeface="HGS創英角ﾎﾟｯﾌﾟ体" panose="040B0A00000000000000" pitchFamily="50" charset="-128"/>
+              <a:ea typeface="HGS創英角ﾎﾟｯﾌﾟ体" panose="040B0A00000000000000" pitchFamily="50" charset="-128"/>
+            </a:endParaRPr>
+          </a:p>
+          <a:p>
+            <a:r>
+              <a:rPr kumimoji="1" lang="ja-JP" altLang="en-US" dirty="0">
+                <a:latin typeface="HGS創英角ﾎﾟｯﾌﾟ体" panose="040B0A00000000000000" pitchFamily="50" charset="-128"/>
+                <a:ea typeface="HGS創英角ﾎﾟｯﾌﾟ体" panose="040B0A00000000000000" pitchFamily="50" charset="-128"/>
+              </a:rPr>
+              <a:t>闘牛のような大きい特売品も乗せられる！</a:t>
             </a:r>
           </a:p>
         </p:txBody>
@@ -10251,8 +10064,8 @@
         </p:blipFill>
         <p:spPr>
           <a:xfrm rot="1029840" flipH="1">
-            <a:off x="7306541" y="4552098"/>
-            <a:ext cx="1885457" cy="1347527"/>
+            <a:off x="7349795" y="4721823"/>
+            <a:ext cx="1652905" cy="1181323"/>
           </a:xfrm>
           <a:prstGeom prst="rect">
             <a:avLst/>
@@ -10287,8 +10100,8 @@
         </p:blipFill>
         <p:spPr>
           <a:xfrm rot="20598132" flipH="1">
-            <a:off x="2102503" y="4451835"/>
-            <a:ext cx="1885457" cy="1347527"/>
+            <a:off x="2404649" y="4785111"/>
+            <a:ext cx="1712423" cy="1223860"/>
           </a:xfrm>
           <a:prstGeom prst="rect">
             <a:avLst/>
@@ -10433,8 +10246,8 @@
         </p:blipFill>
         <p:spPr>
           <a:xfrm rot="18496454" flipH="1">
-            <a:off x="1448444" y="3767947"/>
-            <a:ext cx="2588430" cy="2438095"/>
+            <a:off x="1775534" y="4049076"/>
+            <a:ext cx="2350879" cy="2214341"/>
           </a:xfrm>
           <a:prstGeom prst="rect">
             <a:avLst/>
@@ -10469,8 +10282,8 @@
         </p:blipFill>
         <p:spPr>
           <a:xfrm rot="20787725" flipH="1">
-            <a:off x="1047317" y="4169776"/>
-            <a:ext cx="3131552" cy="2547257"/>
+            <a:off x="1258882" y="4519352"/>
+            <a:ext cx="2999919" cy="2440185"/>
           </a:xfrm>
           <a:prstGeom prst="rect">
             <a:avLst/>
@@ -10505,8 +10318,8 @@
         </p:blipFill>
         <p:spPr>
           <a:xfrm rot="20787725">
-            <a:off x="1785813" y="3767824"/>
-            <a:ext cx="2129329" cy="1344620"/>
+            <a:off x="2104140" y="4100454"/>
+            <a:ext cx="1933914" cy="1221220"/>
           </a:xfrm>
           <a:prstGeom prst="rect">
             <a:avLst/>
@@ -10541,8 +10354,8 @@
         </p:blipFill>
         <p:spPr>
           <a:xfrm rot="8406333" flipH="1">
-            <a:off x="1768700" y="2147437"/>
-            <a:ext cx="2588430" cy="2438095"/>
+            <a:off x="2130117" y="2429107"/>
+            <a:ext cx="2350879" cy="2214341"/>
           </a:xfrm>
           <a:prstGeom prst="rect">
             <a:avLst/>
@@ -10576,9 +10389,9 @@
           </a:stretch>
         </p:blipFill>
         <p:spPr>
-          <a:xfrm rot="20505050">
-            <a:off x="-980440" y="2705034"/>
-            <a:ext cx="3399033" cy="4997626"/>
+          <a:xfrm rot="20973685">
+            <a:off x="-514868" y="3485649"/>
+            <a:ext cx="2801337" cy="4118829"/>
           </a:xfrm>
           <a:prstGeom prst="rect">
             <a:avLst/>
@@ -10613,8 +10426,8 @@
         </p:blipFill>
         <p:spPr>
           <a:xfrm rot="20787725">
-            <a:off x="2228726" y="1901141"/>
-            <a:ext cx="2129329" cy="1344620"/>
+            <a:off x="2547053" y="2233771"/>
+            <a:ext cx="1933914" cy="1221220"/>
           </a:xfrm>
           <a:prstGeom prst="rect">
             <a:avLst/>
@@ -10649,8 +10462,8 @@
         </p:blipFill>
         <p:spPr>
           <a:xfrm rot="20396877" flipH="1">
-            <a:off x="6700690" y="3527582"/>
-            <a:ext cx="2588430" cy="2438095"/>
+            <a:off x="6856271" y="3730808"/>
+            <a:ext cx="2269172" cy="2137380"/>
           </a:xfrm>
           <a:prstGeom prst="rect">
             <a:avLst/>
@@ -10685,8 +10498,8 @@
         </p:blipFill>
         <p:spPr>
           <a:xfrm rot="1088148" flipH="1">
-            <a:off x="6191982" y="4138353"/>
-            <a:ext cx="3131552" cy="2460224"/>
+            <a:off x="6269902" y="4357552"/>
+            <a:ext cx="2895653" cy="2274896"/>
           </a:xfrm>
           <a:prstGeom prst="rect">
             <a:avLst/>
@@ -10721,8 +10534,8 @@
         </p:blipFill>
         <p:spPr>
           <a:xfrm rot="1088148">
-            <a:off x="7075413" y="3585852"/>
-            <a:ext cx="2129329" cy="1344620"/>
+            <a:off x="7127673" y="3752496"/>
+            <a:ext cx="1866697" cy="1178775"/>
           </a:xfrm>
           <a:prstGeom prst="rect">
             <a:avLst/>
@@ -10757,8 +10570,8 @@
         </p:blipFill>
         <p:spPr>
           <a:xfrm rot="10306756" flipH="1">
-            <a:off x="7322118" y="1873477"/>
-            <a:ext cx="2588430" cy="2438095"/>
+            <a:off x="7495677" y="2084178"/>
+            <a:ext cx="2269172" cy="2137380"/>
           </a:xfrm>
           <a:prstGeom prst="rect">
             <a:avLst/>
@@ -10793,8 +10606,8 @@
         </p:blipFill>
         <p:spPr>
           <a:xfrm rot="1088148">
-            <a:off x="7241874" y="1707686"/>
-            <a:ext cx="2129329" cy="1344620"/>
+            <a:off x="7294134" y="1874330"/>
+            <a:ext cx="1866697" cy="1178775"/>
           </a:xfrm>
           <a:prstGeom prst="rect">
             <a:avLst/>
@@ -10829,8 +10642,8 @@
         </p:blipFill>
         <p:spPr>
           <a:xfrm rot="21248946">
-            <a:off x="4331953" y="2540228"/>
-            <a:ext cx="3399033" cy="4997626"/>
+            <a:off x="4392586" y="2762469"/>
+            <a:ext cx="3256157" cy="4787554"/>
           </a:xfrm>
           <a:prstGeom prst="rect">
             <a:avLst/>
@@ -10851,7 +10664,7 @@
         </p:nvSpPr>
         <p:spPr>
           <a:xfrm rot="1913385">
-            <a:off x="2127122" y="3479965"/>
+            <a:off x="2113475" y="3602795"/>
             <a:ext cx="2019431" cy="4522607"/>
           </a:xfrm>
           <a:prstGeom prst="arc">
@@ -10903,8 +10716,8 @@
         </p:nvSpPr>
         <p:spPr>
           <a:xfrm rot="2060551">
-            <a:off x="2291119" y="3430119"/>
-            <a:ext cx="2019431" cy="4522607"/>
+            <a:off x="2344333" y="3531216"/>
+            <a:ext cx="1882233" cy="4327964"/>
           </a:xfrm>
           <a:prstGeom prst="arc">
             <a:avLst/>
@@ -10955,8 +10768,8 @@
         </p:nvSpPr>
         <p:spPr>
           <a:xfrm rot="2060551">
-            <a:off x="2488830" y="3427201"/>
-            <a:ext cx="2019431" cy="4522607"/>
+            <a:off x="2542044" y="3528298"/>
+            <a:ext cx="1882233" cy="4327964"/>
           </a:xfrm>
           <a:prstGeom prst="arc">
             <a:avLst/>
@@ -11007,8 +10820,8 @@
         </p:nvSpPr>
         <p:spPr>
           <a:xfrm>
-            <a:off x="-156727" y="919110"/>
-            <a:ext cx="9988934" cy="646331"/>
+            <a:off x="-864815" y="724415"/>
+            <a:ext cx="9470288" cy="646331"/>
           </a:xfrm>
           <a:prstGeom prst="rect">
             <a:avLst/>
@@ -11084,61 +10897,6 @@
       </p:sp>
       <p:sp>
         <p:nvSpPr>
-          <p:cNvPr id="26" name="円弧 25">
-            <a:extLst>
-              <a:ext uri="{FF2B5EF4-FFF2-40B4-BE49-F238E27FC236}">
-                <a16:creationId xmlns:a16="http://schemas.microsoft.com/office/drawing/2014/main" id="{87B0F975-E656-4FB0-88CB-CB5DB9DA08F9}"/>
-              </a:ext>
-            </a:extLst>
-          </p:cNvPr>
-          <p:cNvSpPr/>
-          <p:nvPr/>
-        </p:nvSpPr>
-        <p:spPr>
-          <a:xfrm rot="2060551" flipH="1">
-            <a:off x="2066410" y="4798755"/>
-            <a:ext cx="2352978" cy="2444145"/>
-          </a:xfrm>
-          <a:prstGeom prst="arc">
-            <a:avLst>
-              <a:gd name="adj1" fmla="val 16200000"/>
-              <a:gd name="adj2" fmla="val 1322247"/>
-            </a:avLst>
-          </a:prstGeom>
-          <a:ln w="85725">
-            <a:solidFill>
-              <a:schemeClr val="tx1">
-                <a:lumMod val="95000"/>
-                <a:lumOff val="5000"/>
-              </a:schemeClr>
-            </a:solidFill>
-          </a:ln>
-        </p:spPr>
-        <p:style>
-          <a:lnRef idx="1">
-            <a:schemeClr val="accent1"/>
-          </a:lnRef>
-          <a:fillRef idx="0">
-            <a:schemeClr val="accent1"/>
-          </a:fillRef>
-          <a:effectRef idx="0">
-            <a:schemeClr val="accent1"/>
-          </a:effectRef>
-          <a:fontRef idx="minor">
-            <a:schemeClr val="tx1"/>
-          </a:fontRef>
-        </p:style>
-        <p:txBody>
-          <a:bodyPr rtlCol="0" anchor="ctr"/>
-          <a:lstStyle/>
-          <a:p>
-            <a:pPr algn="ctr"/>
-            <a:endParaRPr kumimoji="1" lang="ja-JP" altLang="en-US"/>
-          </a:p>
-        </p:txBody>
-      </p:sp>
-      <p:sp>
-        <p:nvSpPr>
           <p:cNvPr id="27" name="テキスト ボックス 26">
             <a:extLst>
               <a:ext uri="{FF2B5EF4-FFF2-40B4-BE49-F238E27FC236}">
@@ -11151,8 +10909,8 @@
         </p:nvSpPr>
         <p:spPr>
           <a:xfrm>
-            <a:off x="9527177" y="6488668"/>
-            <a:ext cx="757646" cy="369332"/>
+            <a:off x="9506173" y="6523239"/>
+            <a:ext cx="548048" cy="369332"/>
           </a:xfrm>
           <a:prstGeom prst="rect">
             <a:avLst/>
@@ -11168,6 +10926,44 @@
             <a:r>
               <a:rPr kumimoji="1" lang="en-US" altLang="ja-JP" dirty="0"/>
               <a:t>5</a:t>
+            </a:r>
+          </a:p>
+        </p:txBody>
+      </p:sp>
+      <p:sp>
+        <p:nvSpPr>
+          <p:cNvPr id="3" name="テキスト ボックス 2">
+            <a:extLst>
+              <a:ext uri="{FF2B5EF4-FFF2-40B4-BE49-F238E27FC236}">
+                <a16:creationId xmlns:a16="http://schemas.microsoft.com/office/drawing/2014/main" id="{279ABA37-09B3-4631-8E64-338DB17BE2C1}"/>
+              </a:ext>
+            </a:extLst>
+          </p:cNvPr>
+          <p:cNvSpPr txBox="1"/>
+          <p:nvPr/>
+        </p:nvSpPr>
+        <p:spPr>
+          <a:xfrm>
+            <a:off x="0" y="1397663"/>
+            <a:ext cx="6558622" cy="369332"/>
+          </a:xfrm>
+          <a:prstGeom prst="rect">
+            <a:avLst/>
+          </a:prstGeom>
+          <a:noFill/>
+        </p:spPr>
+        <p:txBody>
+          <a:bodyPr wrap="square" rtlCol="0">
+            <a:spAutoFit/>
+          </a:bodyPr>
+          <a:lstStyle/>
+          <a:p>
+            <a:r>
+              <a:rPr kumimoji="1" lang="ja-JP" altLang="en-US" dirty="0">
+                <a:latin typeface="HGS創英角ﾎﾟｯﾌﾟ体" panose="040B0A00000000000000" pitchFamily="50" charset="-128"/>
+                <a:ea typeface="HGS創英角ﾎﾟｯﾌﾟ体" panose="040B0A00000000000000" pitchFamily="50" charset="-128"/>
+              </a:rPr>
+              <a:t>大量に乗せた買い物を崩れないようにバランスを取れる！</a:t>
             </a:r>
           </a:p>
         </p:txBody>

--- a/後期企画書/提出用企画書.pptx
+++ b/後期企画書/提出用企画書.pptx
@@ -213,7 +213,7 @@
           <a:p>
             <a:fld id="{CC8A5DFF-00B2-4367-9D65-9AD51A683E2B}" type="datetimeFigureOut">
               <a:rPr kumimoji="1" lang="ja-JP" altLang="en-US" smtClean="0"/>
-              <a:t>2017/11/10</a:t>
+              <a:t>2017/11/23</a:t>
             </a:fld>
             <a:endParaRPr kumimoji="1" lang="ja-JP" altLang="en-US"/>
           </a:p>
@@ -7725,7 +7725,7 @@
         </p:blipFill>
         <p:spPr>
           <a:xfrm flipH="1">
-            <a:off x="1170209" y="4305754"/>
+            <a:off x="1144537" y="4123976"/>
             <a:ext cx="2910505" cy="2367454"/>
           </a:xfrm>
           <a:prstGeom prst="rect">
